--- a/SuperNanny.pptx
+++ b/SuperNanny.pptx
@@ -11,10 +11,12 @@
     <p:sldId id="260" r:id="rId5"/>
     <p:sldId id="261" r:id="rId6"/>
     <p:sldId id="266" r:id="rId7"/>
-    <p:sldId id="259" r:id="rId8"/>
-    <p:sldId id="263" r:id="rId9"/>
-    <p:sldId id="264" r:id="rId10"/>
-    <p:sldId id="265" r:id="rId11"/>
+    <p:sldId id="267" r:id="rId8"/>
+    <p:sldId id="268" r:id="rId9"/>
+    <p:sldId id="259" r:id="rId10"/>
+    <p:sldId id="263" r:id="rId11"/>
+    <p:sldId id="264" r:id="rId12"/>
+    <p:sldId id="265" r:id="rId13"/>
   </p:sldIdLst>
   <p:sldSz cx="12192000" cy="6858000"/>
   <p:notesSz cx="6858000" cy="9144000"/>
@@ -113,6 +115,11 @@
       </a:defRPr>
     </a:lvl9pPr>
   </p:defaultTextStyle>
+  <p:extLst>
+    <p:ext uri="{EFAFB233-063F-42B5-8137-9DF3F51BA10A}">
+      <p15:sldGuideLst xmlns:p15="http://schemas.microsoft.com/office/powerpoint/2012/main"/>
+    </p:ext>
+  </p:extLst>
 </p:presentation>
 </file>
 
@@ -6389,6 +6396,252 @@
           <p:cNvPr id="2" name="Titel 1">
             <a:extLst>
               <a:ext uri="{FF2B5EF4-FFF2-40B4-BE49-F238E27FC236}">
+                <a16:creationId xmlns:a16="http://schemas.microsoft.com/office/drawing/2014/main" id="{0FFA328B-576F-44C1-B2A7-7977F247EF50}"/>
+              </a:ext>
+            </a:extLst>
+          </p:cNvPr>
+          <p:cNvSpPr>
+            <a:spLocks noGrp="1"/>
+          </p:cNvSpPr>
+          <p:nvPr>
+            <p:ph type="title"/>
+          </p:nvPr>
+        </p:nvSpPr>
+        <p:spPr/>
+        <p:txBody>
+          <a:bodyPr/>
+          <a:lstStyle/>
+          <a:p>
+            <a:r>
+              <a:rPr lang="de-CH" dirty="0" err="1"/>
+              <a:t>Challenges</a:t>
+            </a:r>
+            <a:endParaRPr lang="de-CH" dirty="0"/>
+          </a:p>
+        </p:txBody>
+      </p:sp>
+      <p:sp>
+        <p:nvSpPr>
+          <p:cNvPr id="3" name="Inhaltsplatzhalter 2">
+            <a:extLst>
+              <a:ext uri="{FF2B5EF4-FFF2-40B4-BE49-F238E27FC236}">
+                <a16:creationId xmlns:a16="http://schemas.microsoft.com/office/drawing/2014/main" id="{033204B9-5ED5-4CA3-81C7-355E26F3791B}"/>
+              </a:ext>
+            </a:extLst>
+          </p:cNvPr>
+          <p:cNvSpPr>
+            <a:spLocks noGrp="1"/>
+          </p:cNvSpPr>
+          <p:nvPr>
+            <p:ph idx="1"/>
+          </p:nvPr>
+        </p:nvSpPr>
+        <p:spPr/>
+        <p:txBody>
+          <a:bodyPr/>
+          <a:lstStyle/>
+          <a:p>
+            <a:r>
+              <a:rPr lang="en-GB" dirty="0"/>
+              <a:t>Sensor</a:t>
+            </a:r>
+          </a:p>
+          <a:p>
+            <a:r>
+              <a:rPr lang="en-GB" dirty="0"/>
+              <a:t>Network</a:t>
+            </a:r>
+          </a:p>
+          <a:p>
+            <a:r>
+              <a:rPr lang="en-GB" dirty="0"/>
+              <a:t>Communication</a:t>
+            </a:r>
+            <a:endParaRPr lang="de-CH" dirty="0"/>
+          </a:p>
+          <a:p>
+            <a:r>
+              <a:rPr lang="en-GB" dirty="0"/>
+              <a:t>Environment and equipment</a:t>
+            </a:r>
+          </a:p>
+          <a:p>
+            <a:r>
+              <a:rPr lang="en-GB" dirty="0"/>
+              <a:t>Communication with configuration API and Arduino</a:t>
+            </a:r>
+            <a:endParaRPr lang="de-CH" dirty="0"/>
+          </a:p>
+          <a:p>
+            <a:pPr marL="0" indent="0">
+              <a:buNone/>
+            </a:pPr>
+            <a:endParaRPr lang="de-CH" dirty="0"/>
+          </a:p>
+        </p:txBody>
+      </p:sp>
+    </p:spTree>
+    <p:extLst>
+      <p:ext uri="{BB962C8B-B14F-4D97-AF65-F5344CB8AC3E}">
+        <p14:creationId xmlns:p14="http://schemas.microsoft.com/office/powerpoint/2010/main" val="4064157701"/>
+      </p:ext>
+    </p:extLst>
+  </p:cSld>
+  <p:clrMapOvr>
+    <a:masterClrMapping/>
+  </p:clrMapOvr>
+</p:sld>
+</file>
+
+<file path=ppt/slides/slide11.xml><?xml version="1.0" encoding="utf-8"?>
+<p:sld xmlns:a="http://schemas.openxmlformats.org/drawingml/2006/main" xmlns:r="http://schemas.openxmlformats.org/officeDocument/2006/relationships" xmlns:p="http://schemas.openxmlformats.org/presentationml/2006/main">
+  <p:cSld>
+    <p:spTree>
+      <p:nvGrpSpPr>
+        <p:cNvPr id="1" name=""/>
+        <p:cNvGrpSpPr/>
+        <p:nvPr/>
+      </p:nvGrpSpPr>
+      <p:grpSpPr>
+        <a:xfrm>
+          <a:off x="0" y="0"/>
+          <a:ext cx="0" cy="0"/>
+          <a:chOff x="0" y="0"/>
+          <a:chExt cx="0" cy="0"/>
+        </a:xfrm>
+      </p:grpSpPr>
+      <p:sp>
+        <p:nvSpPr>
+          <p:cNvPr id="2" name="Titel 1">
+            <a:extLst>
+              <a:ext uri="{FF2B5EF4-FFF2-40B4-BE49-F238E27FC236}">
+                <a16:creationId xmlns:a16="http://schemas.microsoft.com/office/drawing/2014/main" id="{0FFA328B-576F-44C1-B2A7-7977F247EF50}"/>
+              </a:ext>
+            </a:extLst>
+          </p:cNvPr>
+          <p:cNvSpPr>
+            <a:spLocks noGrp="1"/>
+          </p:cNvSpPr>
+          <p:nvPr>
+            <p:ph type="title"/>
+          </p:nvPr>
+        </p:nvSpPr>
+        <p:spPr/>
+        <p:txBody>
+          <a:bodyPr/>
+          <a:lstStyle/>
+          <a:p>
+            <a:r>
+              <a:rPr lang="de-CH" dirty="0" err="1"/>
+              <a:t>Improve</a:t>
+            </a:r>
+            <a:r>
+              <a:rPr lang="de-CH" dirty="0"/>
+              <a:t> </a:t>
+            </a:r>
+            <a:r>
+              <a:rPr lang="de-CH" dirty="0" err="1"/>
+              <a:t>for</a:t>
+            </a:r>
+            <a:r>
+              <a:rPr lang="de-CH" dirty="0"/>
+              <a:t> </a:t>
+            </a:r>
+            <a:r>
+              <a:rPr lang="de-CH" dirty="0" err="1"/>
+              <a:t>the</a:t>
+            </a:r>
+            <a:r>
+              <a:rPr lang="de-CH" dirty="0"/>
+              <a:t> </a:t>
+            </a:r>
+            <a:r>
+              <a:rPr lang="de-CH" dirty="0" err="1"/>
+              <a:t>next</a:t>
+            </a:r>
+            <a:r>
+              <a:rPr lang="de-CH" dirty="0"/>
+              <a:t> time</a:t>
+            </a:r>
+          </a:p>
+        </p:txBody>
+      </p:sp>
+      <p:sp>
+        <p:nvSpPr>
+          <p:cNvPr id="3" name="Inhaltsplatzhalter 2">
+            <a:extLst>
+              <a:ext uri="{FF2B5EF4-FFF2-40B4-BE49-F238E27FC236}">
+                <a16:creationId xmlns:a16="http://schemas.microsoft.com/office/drawing/2014/main" id="{033204B9-5ED5-4CA3-81C7-355E26F3791B}"/>
+              </a:ext>
+            </a:extLst>
+          </p:cNvPr>
+          <p:cNvSpPr>
+            <a:spLocks noGrp="1"/>
+          </p:cNvSpPr>
+          <p:nvPr>
+            <p:ph idx="1"/>
+          </p:nvPr>
+        </p:nvSpPr>
+        <p:spPr/>
+        <p:txBody>
+          <a:bodyPr/>
+          <a:lstStyle/>
+          <a:p>
+            <a:r>
+              <a:rPr lang="en-GB" dirty="0"/>
+              <a:t>Better communication with the project owner, say him more clearly what we want and need and get the information out from him what he wants from as.</a:t>
+            </a:r>
+          </a:p>
+          <a:p>
+            <a:r>
+              <a:rPr lang="en-GB" dirty="0"/>
+              <a:t>Take an other sensor, that hasn’t the problem with the drifting</a:t>
+            </a:r>
+            <a:endParaRPr lang="de-CH" dirty="0"/>
+          </a:p>
+          <a:p>
+            <a:endParaRPr lang="de-CH" dirty="0"/>
+          </a:p>
+          <a:p>
+            <a:endParaRPr lang="de-CH" dirty="0"/>
+          </a:p>
+        </p:txBody>
+      </p:sp>
+    </p:spTree>
+    <p:extLst>
+      <p:ext uri="{BB962C8B-B14F-4D97-AF65-F5344CB8AC3E}">
+        <p14:creationId xmlns:p14="http://schemas.microsoft.com/office/powerpoint/2010/main" val="1920489008"/>
+      </p:ext>
+    </p:extLst>
+  </p:cSld>
+  <p:clrMapOvr>
+    <a:masterClrMapping/>
+  </p:clrMapOvr>
+</p:sld>
+</file>
+
+<file path=ppt/slides/slide12.xml><?xml version="1.0" encoding="utf-8"?>
+<p:sld xmlns:a="http://schemas.openxmlformats.org/drawingml/2006/main" xmlns:r="http://schemas.openxmlformats.org/officeDocument/2006/relationships" xmlns:p="http://schemas.openxmlformats.org/presentationml/2006/main">
+  <p:cSld>
+    <p:spTree>
+      <p:nvGrpSpPr>
+        <p:cNvPr id="1" name=""/>
+        <p:cNvGrpSpPr/>
+        <p:nvPr/>
+      </p:nvGrpSpPr>
+      <p:grpSpPr>
+        <a:xfrm>
+          <a:off x="0" y="0"/>
+          <a:ext cx="0" cy="0"/>
+          <a:chOff x="0" y="0"/>
+          <a:chExt cx="0" cy="0"/>
+        </a:xfrm>
+      </p:grpSpPr>
+      <p:sp>
+        <p:nvSpPr>
+          <p:cNvPr id="2" name="Titel 1">
+            <a:extLst>
+              <a:ext uri="{FF2B5EF4-FFF2-40B4-BE49-F238E27FC236}">
                 <a16:creationId xmlns:a16="http://schemas.microsoft.com/office/drawing/2014/main" id="{39A80584-DBD7-4382-956A-BF029A78C240}"/>
               </a:ext>
             </a:extLst>
@@ -6715,18 +6968,16 @@
           <a:p>
             <a:r>
               <a:rPr lang="en-GB" dirty="0"/>
-              <a:t>A fully functional power monitoring system where you can receive the data from the cloud</a:t>
-            </a:r>
-            <a:endParaRPr lang="de-CH" dirty="0"/>
+              <a:t>A fully functional power monitoring system where </a:t>
+            </a:r>
+          </a:p>
+          <a:p>
+            <a:endParaRPr lang="en-GB" dirty="0"/>
           </a:p>
           <a:p>
             <a:r>
               <a:rPr lang="en-GB" dirty="0"/>
-              <a:t>An environment monitoring system where you also can receive the data from the cloud. It is fully functional, but the sensor standards don’t met. And because of this we haven’t done a device, </a:t>
-            </a:r>
-            <a:r>
-              <a:rPr lang="en-US" dirty="0"/>
-              <a:t>it would not be worthwhile.</a:t>
+              <a:t>An environment monitoring system where you can receive the configuration from the cloud and monitor CO2, TVOC, Temperature and Humidity. Everything works but the CO2 Sensor is drifting after several hours.</a:t>
             </a:r>
             <a:endParaRPr lang="de-CH" dirty="0"/>
           </a:p>
@@ -7082,7 +7333,7 @@
           <p:cNvPr id="2" name="Titel 1">
             <a:extLst>
               <a:ext uri="{FF2B5EF4-FFF2-40B4-BE49-F238E27FC236}">
-                <a16:creationId xmlns:a16="http://schemas.microsoft.com/office/drawing/2014/main" id="{75F991AF-E3A3-452E-85B9-D660184B3E8E}"/>
+                <a16:creationId xmlns:a16="http://schemas.microsoft.com/office/drawing/2014/main" id="{4D6236A8-7AB7-4DC7-B462-BB552566085E}"/>
               </a:ext>
             </a:extLst>
           </p:cNvPr>
@@ -7099,78 +7350,57 @@
           <a:lstStyle/>
           <a:p>
             <a:r>
+              <a:rPr lang="en-GB" dirty="0"/>
+              <a:t>Environment</a:t>
+            </a:r>
+            <a:r>
               <a:rPr lang="de-CH" dirty="0"/>
-              <a:t>Demonstration</a:t>
-            </a:r>
-          </a:p>
-        </p:txBody>
-      </p:sp>
-      <p:sp>
-        <p:nvSpPr>
-          <p:cNvPr id="3" name="Inhaltsplatzhalter 2">
+              <a:t> </a:t>
+            </a:r>
+            <a:r>
+              <a:rPr lang="de-CH" dirty="0" err="1"/>
+              <a:t>measurement</a:t>
+            </a:r>
+            <a:endParaRPr lang="de-CH" dirty="0"/>
+          </a:p>
+        </p:txBody>
+      </p:sp>
+      <p:pic>
+        <p:nvPicPr>
+          <p:cNvPr id="4" name="Inhaltsplatzhalter 3">
             <a:extLst>
               <a:ext uri="{FF2B5EF4-FFF2-40B4-BE49-F238E27FC236}">
-                <a16:creationId xmlns:a16="http://schemas.microsoft.com/office/drawing/2014/main" id="{64724003-B6A1-45D8-AB4E-F81BC7F5FFC8}"/>
+                <a16:creationId xmlns:a16="http://schemas.microsoft.com/office/drawing/2014/main" id="{B4CEBAC6-9174-463E-8066-4420F0B9365E}"/>
               </a:ext>
             </a:extLst>
           </p:cNvPr>
-          <p:cNvSpPr>
-            <a:spLocks noGrp="1"/>
-          </p:cNvSpPr>
+          <p:cNvPicPr>
+            <a:picLocks noGrp="1" noChangeAspect="1"/>
+          </p:cNvPicPr>
           <p:nvPr>
             <p:ph idx="1"/>
           </p:nvPr>
-        </p:nvSpPr>
-        <p:spPr/>
-        <p:txBody>
-          <a:bodyPr/>
-          <a:lstStyle/>
-          <a:p>
-            <a:pPr marL="0" indent="0">
-              <a:buNone/>
-            </a:pPr>
-            <a:r>
-              <a:rPr lang="de-CH" dirty="0"/>
-              <a:t>Power </a:t>
-            </a:r>
-            <a:r>
-              <a:rPr lang="de-CH" dirty="0" err="1"/>
-              <a:t>measurement</a:t>
-            </a:r>
-            <a:r>
-              <a:rPr lang="de-CH" dirty="0"/>
-              <a:t> in </a:t>
-            </a:r>
-            <a:r>
-              <a:rPr lang="de-CH" dirty="0" err="1"/>
-              <a:t>Chronograpf</a:t>
-            </a:r>
-            <a:endParaRPr lang="de-CH" dirty="0"/>
-          </a:p>
-          <a:p>
-            <a:pPr marL="0" indent="0">
-              <a:buNone/>
-            </a:pPr>
-            <a:endParaRPr lang="de-CH" dirty="0"/>
-          </a:p>
-          <a:p>
-            <a:pPr marL="0" indent="0">
-              <a:buNone/>
-            </a:pPr>
-            <a:r>
-              <a:rPr lang="de-CH" dirty="0">
-                <a:hlinkClick r:id="rId2" tooltip="Chronograph"/>
-              </a:rPr>
-              <a:t>https://chronograf01.monitor.agora-space.com/sources/1/dashboards/20?lower=now%28%29%20-%205m</a:t>
-            </a:r>
-            <a:endParaRPr lang="de-CH" dirty="0"/>
-          </a:p>
-        </p:txBody>
-      </p:sp>
+        </p:nvPicPr>
+        <p:blipFill>
+          <a:blip r:embed="rId2"/>
+          <a:stretch>
+            <a:fillRect/>
+          </a:stretch>
+        </p:blipFill>
+        <p:spPr>
+          <a:xfrm>
+            <a:off x="3135920" y="2667000"/>
+            <a:ext cx="6715498" cy="3124200"/>
+          </a:xfrm>
+          <a:prstGeom prst="rect">
+            <a:avLst/>
+          </a:prstGeom>
+        </p:spPr>
+      </p:pic>
     </p:spTree>
     <p:extLst>
       <p:ext uri="{BB962C8B-B14F-4D97-AF65-F5344CB8AC3E}">
-        <p14:creationId xmlns:p14="http://schemas.microsoft.com/office/powerpoint/2010/main" val="3906493203"/>
+        <p14:creationId xmlns:p14="http://schemas.microsoft.com/office/powerpoint/2010/main" val="3590891115"/>
       </p:ext>
     </p:extLst>
   </p:cSld>
@@ -7202,7 +7432,7 @@
           <p:cNvPr id="2" name="Titel 1">
             <a:extLst>
               <a:ext uri="{FF2B5EF4-FFF2-40B4-BE49-F238E27FC236}">
-                <a16:creationId xmlns:a16="http://schemas.microsoft.com/office/drawing/2014/main" id="{0FFA328B-576F-44C1-B2A7-7977F247EF50}"/>
+                <a16:creationId xmlns:a16="http://schemas.microsoft.com/office/drawing/2014/main" id="{4D6236A8-7AB7-4DC7-B462-BB552566085E}"/>
               </a:ext>
             </a:extLst>
           </p:cNvPr>
@@ -7219,65 +7449,57 @@
           <a:lstStyle/>
           <a:p>
             <a:r>
+              <a:rPr lang="en-GB" dirty="0"/>
+              <a:t>Environment</a:t>
+            </a:r>
+            <a:r>
+              <a:rPr lang="de-CH" dirty="0"/>
+              <a:t> </a:t>
+            </a:r>
+            <a:r>
               <a:rPr lang="de-CH" dirty="0" err="1"/>
-              <a:t>Challenges</a:t>
+              <a:t>measurement</a:t>
             </a:r>
             <a:endParaRPr lang="de-CH" dirty="0"/>
           </a:p>
         </p:txBody>
       </p:sp>
-      <p:sp>
-        <p:nvSpPr>
-          <p:cNvPr id="3" name="Inhaltsplatzhalter 2">
+      <p:pic>
+        <p:nvPicPr>
+          <p:cNvPr id="6" name="Inhaltsplatzhalter 5">
             <a:extLst>
               <a:ext uri="{FF2B5EF4-FFF2-40B4-BE49-F238E27FC236}">
-                <a16:creationId xmlns:a16="http://schemas.microsoft.com/office/drawing/2014/main" id="{033204B9-5ED5-4CA3-81C7-355E26F3791B}"/>
+                <a16:creationId xmlns:a16="http://schemas.microsoft.com/office/drawing/2014/main" id="{5AAE3928-5256-4634-9A8F-2E6EF286F70D}"/>
               </a:ext>
             </a:extLst>
           </p:cNvPr>
-          <p:cNvSpPr>
-            <a:spLocks noGrp="1"/>
-          </p:cNvSpPr>
+          <p:cNvPicPr>
+            <a:picLocks noGrp="1" noChangeAspect="1"/>
+          </p:cNvPicPr>
           <p:nvPr>
             <p:ph idx="1"/>
           </p:nvPr>
-        </p:nvSpPr>
-        <p:spPr/>
-        <p:txBody>
-          <a:bodyPr/>
-          <a:lstStyle/>
-          <a:p>
-            <a:r>
-              <a:rPr lang="en-GB" dirty="0"/>
-              <a:t>Sensor</a:t>
-            </a:r>
-          </a:p>
-          <a:p>
-            <a:r>
-              <a:rPr lang="en-GB" dirty="0"/>
-              <a:t>Communication</a:t>
-            </a:r>
-            <a:endParaRPr lang="de-CH" dirty="0"/>
-          </a:p>
-          <a:p>
-            <a:r>
-              <a:rPr lang="en-GB" dirty="0"/>
-              <a:t>Environment and equipment</a:t>
-            </a:r>
-            <a:endParaRPr lang="de-CH" dirty="0"/>
-          </a:p>
-          <a:p>
-            <a:pPr marL="0" indent="0">
-              <a:buNone/>
-            </a:pPr>
-            <a:endParaRPr lang="de-CH" dirty="0"/>
-          </a:p>
-        </p:txBody>
-      </p:sp>
+        </p:nvPicPr>
+        <p:blipFill>
+          <a:blip r:embed="rId2"/>
+          <a:stretch>
+            <a:fillRect/>
+          </a:stretch>
+        </p:blipFill>
+        <p:spPr>
+          <a:xfrm rot="16200000">
+            <a:off x="4627874" y="1376691"/>
+            <a:ext cx="3731586" cy="5855002"/>
+          </a:xfrm>
+          <a:prstGeom prst="rect">
+            <a:avLst/>
+          </a:prstGeom>
+        </p:spPr>
+      </p:pic>
     </p:spTree>
     <p:extLst>
       <p:ext uri="{BB962C8B-B14F-4D97-AF65-F5344CB8AC3E}">
-        <p14:creationId xmlns:p14="http://schemas.microsoft.com/office/powerpoint/2010/main" val="4064157701"/>
+        <p14:creationId xmlns:p14="http://schemas.microsoft.com/office/powerpoint/2010/main" val="2623172672"/>
       </p:ext>
     </p:extLst>
   </p:cSld>
@@ -7309,7 +7531,7 @@
           <p:cNvPr id="2" name="Titel 1">
             <a:extLst>
               <a:ext uri="{FF2B5EF4-FFF2-40B4-BE49-F238E27FC236}">
-                <a16:creationId xmlns:a16="http://schemas.microsoft.com/office/drawing/2014/main" id="{0FFA328B-576F-44C1-B2A7-7977F247EF50}"/>
+                <a16:creationId xmlns:a16="http://schemas.microsoft.com/office/drawing/2014/main" id="{75F991AF-E3A3-452E-85B9-D660184B3E8E}"/>
               </a:ext>
             </a:extLst>
           </p:cNvPr>
@@ -7326,36 +7548,8 @@
           <a:lstStyle/>
           <a:p>
             <a:r>
-              <a:rPr lang="de-CH" dirty="0" err="1"/>
-              <a:t>Improve</a:t>
-            </a:r>
-            <a:r>
               <a:rPr lang="de-CH" dirty="0"/>
-              <a:t> </a:t>
-            </a:r>
-            <a:r>
-              <a:rPr lang="de-CH" dirty="0" err="1"/>
-              <a:t>for</a:t>
-            </a:r>
-            <a:r>
-              <a:rPr lang="de-CH" dirty="0"/>
-              <a:t> </a:t>
-            </a:r>
-            <a:r>
-              <a:rPr lang="de-CH" dirty="0" err="1"/>
-              <a:t>the</a:t>
-            </a:r>
-            <a:r>
-              <a:rPr lang="de-CH" dirty="0"/>
-              <a:t> </a:t>
-            </a:r>
-            <a:r>
-              <a:rPr lang="de-CH" dirty="0" err="1"/>
-              <a:t>next</a:t>
-            </a:r>
-            <a:r>
-              <a:rPr lang="de-CH" dirty="0"/>
-              <a:t> time</a:t>
+              <a:t>Demonstration</a:t>
             </a:r>
           </a:p>
         </p:txBody>
@@ -7365,7 +7559,7 @@
           <p:cNvPr id="3" name="Inhaltsplatzhalter 2">
             <a:extLst>
               <a:ext uri="{FF2B5EF4-FFF2-40B4-BE49-F238E27FC236}">
-                <a16:creationId xmlns:a16="http://schemas.microsoft.com/office/drawing/2014/main" id="{033204B9-5ED5-4CA3-81C7-355E26F3791B}"/>
+                <a16:creationId xmlns:a16="http://schemas.microsoft.com/office/drawing/2014/main" id="{64724003-B6A1-45D8-AB4E-F81BC7F5FFC8}"/>
               </a:ext>
             </a:extLst>
           </p:cNvPr>
@@ -7381,22 +7575,43 @@
           <a:bodyPr/>
           <a:lstStyle/>
           <a:p>
-            <a:r>
-              <a:rPr lang="en-GB" dirty="0"/>
-              <a:t>Better communication with the project owner, say him more clearly what we want and need and get the information out from him what he wants from as.</a:t>
-            </a:r>
-          </a:p>
-          <a:p>
-            <a:r>
-              <a:rPr lang="en-GB" dirty="0"/>
-              <a:t>Take an other sensor, that hasn’t the problem with the drifting</a:t>
+            <a:pPr marL="0" indent="0">
+              <a:buNone/>
+            </a:pPr>
+            <a:r>
+              <a:rPr lang="de-CH" dirty="0"/>
+              <a:t>Power </a:t>
+            </a:r>
+            <a:r>
+              <a:rPr lang="de-CH" dirty="0" err="1"/>
+              <a:t>measurement</a:t>
+            </a:r>
+            <a:r>
+              <a:rPr lang="de-CH" dirty="0"/>
+              <a:t> in </a:t>
+            </a:r>
+            <a:r>
+              <a:rPr lang="de-CH" dirty="0" err="1"/>
+              <a:t>Chronograpf</a:t>
             </a:r>
             <a:endParaRPr lang="de-CH" dirty="0"/>
           </a:p>
           <a:p>
+            <a:pPr marL="0" indent="0">
+              <a:buNone/>
+            </a:pPr>
             <a:endParaRPr lang="de-CH" dirty="0"/>
           </a:p>
           <a:p>
+            <a:pPr marL="0" indent="0">
+              <a:buNone/>
+            </a:pPr>
+            <a:r>
+              <a:rPr lang="de-CH" dirty="0">
+                <a:hlinkClick r:id="rId2" tooltip="Chronograph"/>
+              </a:rPr>
+              <a:t>https://chronograf01.monitor.agora-space.com/sources/1/dashboards/20?lower=now%28%29%20-%205m</a:t>
+            </a:r>
             <a:endParaRPr lang="de-CH" dirty="0"/>
           </a:p>
         </p:txBody>
@@ -7404,7 +7619,7 @@
     </p:spTree>
     <p:extLst>
       <p:ext uri="{BB962C8B-B14F-4D97-AF65-F5344CB8AC3E}">
-        <p14:creationId xmlns:p14="http://schemas.microsoft.com/office/powerpoint/2010/main" val="1920489008"/>
+        <p14:creationId xmlns:p14="http://schemas.microsoft.com/office/powerpoint/2010/main" val="3906493203"/>
       </p:ext>
     </p:extLst>
   </p:cSld>
